--- a/disc03/disc03.pptx
+++ b/disc03/disc03.pptx
@@ -8792,22 +8792,42 @@
                 <a:latin typeface="Avenir Next"/>
                 <a:ea typeface="Avenir Next"/>
               </a:rPr>
-              <a:t>Baby names demo:</a:t>
+              <a:t>Baby </a:t>
             </a:r>
+            <a:r>
+              <a:rPr b="1" lang="en-US" sz="7500" spc="-1" strike="noStrike">
+                <a:solidFill>
+                  <a:srgbClr val="000000"/>
+                </a:solidFill>
+                <a:latin typeface="Avenir Next"/>
+                <a:ea typeface="Avenir Next"/>
+              </a:rPr>
+              <a:t>names </a:t>
+            </a:r>
+            <a:r>
+              <a:rPr b="1" lang="en-US" sz="7500" spc="-1" strike="noStrike">
+                <a:solidFill>
+                  <a:srgbClr val="000000"/>
+                </a:solidFill>
+                <a:latin typeface="Avenir Next"/>
+                <a:ea typeface="Avenir Next"/>
+              </a:rPr>
+              <a:t>demo:</a:t>
+            </a:r>
+            <a:br/>
             <a:br/>
             <a:r>
               <a:rPr b="1" lang="en-US" sz="7500" spc="-1" strike="noStrike" u="sng">
                 <a:solidFill>
-                  <a:srgbClr val="0000ff"/>
+                  <a:srgbClr val="000000"/>
                 </a:solidFill>
                 <a:uFillTx/>
                 <a:latin typeface="Avenir Next"/>
                 <a:ea typeface="Avenir Next"/>
                 <a:hlinkClick r:id="rId1"/>
               </a:rPr>
-              <a:t>https://github.com/COGS108/Section-Sp20/blob/master/Will/disc03/disc03.ipynb</a:t>
+              <a:t>https://github.com/COGS108/Section-Fa20/blob/master/disc03/disc03.ipynb</a:t>
             </a:r>
-            <a:br/>
             <a:br/>
             <a:r>
               <a:rPr b="1" lang="en-US" sz="7500" spc="-1" strike="noStrike">
@@ -8817,7 +8837,37 @@
                 <a:latin typeface="Avenir Next"/>
                 <a:ea typeface="Avenir Next"/>
               </a:rPr>
-              <a:t>[We will also recap Pandas here]</a:t>
+              <a:t>[We will </a:t>
+            </a:r>
+            <a:r>
+              <a:rPr b="1" lang="en-US" sz="7500" spc="-1" strike="noStrike">
+                <a:solidFill>
+                  <a:srgbClr val="000000"/>
+                </a:solidFill>
+                <a:latin typeface="Avenir Next"/>
+                <a:ea typeface="Avenir Next"/>
+              </a:rPr>
+              <a:t>also recap </a:t>
+            </a:r>
+            <a:r>
+              <a:rPr b="1" lang="en-US" sz="7500" spc="-1" strike="noStrike">
+                <a:solidFill>
+                  <a:srgbClr val="000000"/>
+                </a:solidFill>
+                <a:latin typeface="Avenir Next"/>
+                <a:ea typeface="Avenir Next"/>
+              </a:rPr>
+              <a:t>Pandas </a:t>
+            </a:r>
+            <a:r>
+              <a:rPr b="1" lang="en-US" sz="7500" spc="-1" strike="noStrike">
+                <a:solidFill>
+                  <a:srgbClr val="000000"/>
+                </a:solidFill>
+                <a:latin typeface="Avenir Next"/>
+                <a:ea typeface="Avenir Next"/>
+              </a:rPr>
+              <a:t>here]</a:t>
             </a:r>
             <a:endParaRPr b="0" lang="en-US" sz="7500" spc="-1" strike="noStrike">
               <a:solidFill>
